--- a/_PowerPoints/1st Semester/Unit 1 Functions/PreCalc_Day_008.pptx
+++ b/_PowerPoints/1st Semester/Unit 1 Functions/PreCalc_Day_008.pptx
@@ -292,7 +292,7 @@
             <a:fld id="{87DE6118-2437-4B30-8E3C-4D2BE6020583}" type="datetimeFigureOut">
               <a:rPr lang="en-US" dirty="0"/>
               <a:pPr/>
-              <a:t>9/11/2017</a:t>
+              <a:t>9/11/2018</a:t>
             </a:fld>
             <a:endParaRPr lang="en-US" dirty="0"/>
           </a:p>
@@ -618,7 +618,7 @@
           <a:p>
             <a:fld id="{87DE6118-2437-4B30-8E3C-4D2BE6020583}" type="datetimeFigureOut">
               <a:rPr lang="en-US" dirty="0"/>
-              <a:t>9/11/2017</a:t>
+              <a:t>9/11/2018</a:t>
             </a:fld>
             <a:endParaRPr lang="en-US" dirty="0"/>
           </a:p>
@@ -793,7 +793,7 @@
           <a:p>
             <a:fld id="{87DE6118-2437-4B30-8E3C-4D2BE6020583}" type="datetimeFigureOut">
               <a:rPr lang="en-US" dirty="0"/>
-              <a:t>9/11/2017</a:t>
+              <a:t>9/11/2018</a:t>
             </a:fld>
             <a:endParaRPr lang="en-US" dirty="0"/>
           </a:p>
@@ -958,7 +958,7 @@
           <a:p>
             <a:fld id="{87DE6118-2437-4B30-8E3C-4D2BE6020583}" type="datetimeFigureOut">
               <a:rPr lang="en-US" dirty="0"/>
-              <a:t>9/11/2017</a:t>
+              <a:t>9/11/2018</a:t>
             </a:fld>
             <a:endParaRPr lang="en-US" dirty="0"/>
           </a:p>
@@ -1231,7 +1231,7 @@
             <a:fld id="{87DE6118-2437-4B30-8E3C-4D2BE6020583}" type="datetimeFigureOut">
               <a:rPr lang="en-US" dirty="0"/>
               <a:pPr/>
-              <a:t>9/11/2017</a:t>
+              <a:t>9/11/2018</a:t>
             </a:fld>
             <a:endParaRPr lang="en-US" dirty="0"/>
           </a:p>
@@ -1621,7 +1621,7 @@
           <a:p>
             <a:fld id="{87DE6118-2437-4B30-8E3C-4D2BE6020583}" type="datetimeFigureOut">
               <a:rPr lang="en-US" dirty="0"/>
-              <a:t>9/11/2017</a:t>
+              <a:t>9/11/2018</a:t>
             </a:fld>
             <a:endParaRPr lang="en-US" dirty="0"/>
           </a:p>
@@ -2093,7 +2093,7 @@
           <a:p>
             <a:fld id="{87DE6118-2437-4B30-8E3C-4D2BE6020583}" type="datetimeFigureOut">
               <a:rPr lang="en-US" dirty="0"/>
-              <a:t>9/11/2017</a:t>
+              <a:t>9/11/2018</a:t>
             </a:fld>
             <a:endParaRPr lang="en-US" dirty="0"/>
           </a:p>
@@ -2206,7 +2206,7 @@
           <a:p>
             <a:fld id="{87DE6118-2437-4B30-8E3C-4D2BE6020583}" type="datetimeFigureOut">
               <a:rPr lang="en-US" dirty="0"/>
-              <a:t>9/11/2017</a:t>
+              <a:t>9/11/2018</a:t>
             </a:fld>
             <a:endParaRPr lang="en-US" dirty="0"/>
           </a:p>
@@ -2296,7 +2296,7 @@
           <a:p>
             <a:fld id="{87DE6118-2437-4B30-8E3C-4D2BE6020583}" type="datetimeFigureOut">
               <a:rPr lang="en-US" dirty="0"/>
-              <a:t>9/11/2017</a:t>
+              <a:t>9/11/2018</a:t>
             </a:fld>
             <a:endParaRPr lang="en-US" dirty="0"/>
           </a:p>
@@ -2638,7 +2638,7 @@
             <a:fld id="{87DE6118-2437-4B30-8E3C-4D2BE6020583}" type="datetimeFigureOut">
               <a:rPr lang="en-US" dirty="0"/>
               <a:pPr/>
-              <a:t>9/11/2017</a:t>
+              <a:t>9/11/2018</a:t>
             </a:fld>
             <a:endParaRPr lang="en-US" dirty="0"/>
           </a:p>
@@ -3023,7 +3023,7 @@
             <a:fld id="{87DE6118-2437-4B30-8E3C-4D2BE6020583}" type="datetimeFigureOut">
               <a:rPr lang="en-US" dirty="0"/>
               <a:pPr/>
-              <a:t>9/11/2017</a:t>
+              <a:t>9/11/2018</a:t>
             </a:fld>
             <a:endParaRPr lang="en-US" dirty="0"/>
           </a:p>
@@ -3298,7 +3298,7 @@
             <a:fld id="{87DE6118-2437-4B30-8E3C-4D2BE6020583}" type="datetimeFigureOut">
               <a:rPr lang="en-US" dirty="0"/>
               <a:pPr/>
-              <a:t>9/11/2017</a:t>
+              <a:t>9/11/2018</a:t>
             </a:fld>
             <a:endParaRPr lang="en-US" dirty="0"/>
           </a:p>
@@ -3926,7 +3926,11 @@
             </a:pPr>
             <a:r>
               <a:rPr lang="en-US" sz="3000" dirty="0" smtClean="0"/>
-              <a:t>3.)  f(f(-2))</a:t>
+              <a:t>3.)  </a:t>
+            </a:r>
+            <a:r>
+              <a:rPr lang="en-US" sz="3000" dirty="0" smtClean="0"/>
+              <a:t>g(f(-3))</a:t>
             </a:r>
             <a:endParaRPr lang="en-US" sz="3000" dirty="0"/>
           </a:p>
@@ -4107,6 +4111,13 @@
   <p:clrMapOvr>
     <a:masterClrMapping/>
   </p:clrMapOvr>
+  <p:timing>
+    <p:tnLst>
+      <p:par>
+        <p:cTn id="1" dur="indefinite" restart="never" nodeType="tmRoot"/>
+      </p:par>
+    </p:tnLst>
+  </p:timing>
 </p:sld>
 </file>
 
@@ -5808,6 +5819,13 @@
   <p:clrMapOvr>
     <a:masterClrMapping/>
   </p:clrMapOvr>
+  <p:timing>
+    <p:tnLst>
+      <p:par>
+        <p:cTn id="1" dur="indefinite" restart="never" nodeType="tmRoot"/>
+      </p:par>
+    </p:tnLst>
+  </p:timing>
 </p:sld>
 </file>
 
